--- a/presentations/Session_3_Polyglot_Persist.pptx
+++ b/presentations/Session_3_Polyglot_Persist.pptx
@@ -234,7 +234,7 @@
           <a:p>
             <a:fld id="{372E5B6B-8713-8747-AE5B-F1241B2BF5F0}" type="datetimeFigureOut">
               <a:rPr lang="en-US" smtClean="0"/>
-              <a:t>5/17/16</a:t>
+              <a:t>5/25/17</a:t>
             </a:fld>
             <a:endParaRPr lang="en-US" dirty="0"/>
           </a:p>
@@ -400,7 +400,7 @@
           <a:p>
             <a:fld id="{7E7B7340-DDD5-1B49-81AA-25BC4050C073}" type="datetimeFigureOut">
               <a:rPr lang="en-US" smtClean="0"/>
-              <a:t>5/17/16</a:t>
+              <a:t>5/25/17</a:t>
             </a:fld>
             <a:endParaRPr lang="en-US" dirty="0"/>
           </a:p>
@@ -5897,30 +5897,6 @@
           </a:p>
         </p:txBody>
       </p:sp>
-      <p:pic>
-        <p:nvPicPr>
-          <p:cNvPr id="7" name="Picture 6"/>
-          <p:cNvPicPr>
-            <a:picLocks noChangeAspect="1"/>
-          </p:cNvPicPr>
-          <p:nvPr/>
-        </p:nvPicPr>
-        <p:blipFill>
-          <a:blip r:embed="rId5"/>
-          <a:stretch>
-            <a:fillRect/>
-          </a:stretch>
-        </p:blipFill>
-        <p:spPr>
-          <a:xfrm>
-            <a:off x="8196204" y="1558"/>
-            <a:ext cx="947796" cy="947796"/>
-          </a:xfrm>
-          <a:prstGeom prst="rect">
-            <a:avLst/>
-          </a:prstGeom>
-        </p:spPr>
-      </p:pic>
     </p:spTree>
     <p:extLst>
       <p:ext uri="{BB962C8B-B14F-4D97-AF65-F5344CB8AC3E}">
@@ -6813,35 +6789,30 @@
               <a:rPr lang="en-US" sz="2400" dirty="0" smtClean="0"/>
               <a:t>MongoDB</a:t>
             </a:r>
-            <a:endParaRPr lang="en-US" sz="2400" dirty="0" smtClean="0"/>
           </a:p>
           <a:p>
             <a:r>
               <a:rPr lang="en-US" sz="2400" dirty="0" smtClean="0"/>
               <a:t>Redis</a:t>
             </a:r>
-            <a:endParaRPr lang="en-US" sz="2400" dirty="0" smtClean="0"/>
           </a:p>
           <a:p>
             <a:r>
               <a:rPr lang="en-US" sz="2400" dirty="0" smtClean="0"/>
               <a:t>Solr</a:t>
             </a:r>
-            <a:endParaRPr lang="en-US" sz="2400" dirty="0" smtClean="0"/>
           </a:p>
           <a:p>
             <a:r>
               <a:rPr lang="en-US" sz="2400" dirty="0" smtClean="0"/>
               <a:t>GemFire</a:t>
             </a:r>
-            <a:endParaRPr lang="en-US" sz="2400" dirty="0" smtClean="0"/>
           </a:p>
           <a:p>
             <a:r>
               <a:rPr lang="en-US" sz="2400" dirty="0" smtClean="0"/>
               <a:t>KeyValue</a:t>
             </a:r>
-            <a:endParaRPr lang="en-US" sz="2400" dirty="0" smtClean="0"/>
           </a:p>
           <a:p>
             <a:endParaRPr lang="en-US" dirty="0"/>
@@ -7186,7 +7157,6 @@
               <a:rPr lang="en-US" sz="2400" dirty="0" smtClean="0"/>
               <a:t>Aerospike</a:t>
             </a:r>
-            <a:endParaRPr lang="en-US" sz="2400" dirty="0" smtClean="0"/>
           </a:p>
           <a:p>
             <a:r>
@@ -7199,21 +7169,18 @@
               <a:rPr lang="en-US" sz="2400" dirty="0" smtClean="0"/>
               <a:t>Couchbase</a:t>
             </a:r>
-            <a:endParaRPr lang="en-US" sz="2400" dirty="0" smtClean="0"/>
           </a:p>
           <a:p>
             <a:r>
               <a:rPr lang="en-US" sz="2400" dirty="0" smtClean="0"/>
               <a:t>DynamoDB</a:t>
             </a:r>
-            <a:endParaRPr lang="en-US" sz="2400" dirty="0" smtClean="0"/>
           </a:p>
           <a:p>
             <a:r>
               <a:rPr lang="en-US" sz="2400" dirty="0" smtClean="0"/>
               <a:t>ElasticSearch</a:t>
             </a:r>
-            <a:endParaRPr lang="en-US" sz="2400" dirty="0" smtClean="0"/>
           </a:p>
           <a:p>
             <a:r>
@@ -8059,7 +8026,6 @@
               <a:rPr lang="en-US" sz="1400" dirty="0" smtClean="0"/>
               <a:t>Add the Spring Data JPA starter to our pom.xml file</a:t>
             </a:r>
-            <a:endParaRPr lang="en-US" sz="1400" dirty="0" smtClean="0"/>
           </a:p>
         </p:txBody>
       </p:sp>
@@ -8397,7 +8363,6 @@
               <a:rPr lang="en-US" sz="1400" dirty="0" smtClean="0"/>
               <a:t>Sprinkle a database connector into our pom.xml</a:t>
             </a:r>
-            <a:endParaRPr lang="en-US" sz="1400" dirty="0" smtClean="0"/>
           </a:p>
         </p:txBody>
       </p:sp>
@@ -8640,7 +8605,6 @@
               <a:rPr lang="en-US" sz="1400" dirty="0" smtClean="0"/>
               <a:t>Sprinkle a little @EnableJpaRepositories annotation into our Spring Boot application</a:t>
             </a:r>
-            <a:endParaRPr lang="en-US" sz="1400" dirty="0" smtClean="0"/>
           </a:p>
         </p:txBody>
       </p:sp>
@@ -8769,7 +8733,6 @@
               <a:rPr lang="en-US" sz="1400" dirty="0" smtClean="0"/>
               <a:t>Let’s create an @Entity to manage</a:t>
             </a:r>
-            <a:endParaRPr lang="en-US" sz="1400" dirty="0" smtClean="0"/>
           </a:p>
         </p:txBody>
       </p:sp>
@@ -9274,7 +9237,6 @@
               <a:rPr lang="en-US" sz="1400" dirty="0" smtClean="0"/>
               <a:t>Let’s create a JPA Repository to manage our @Entity</a:t>
             </a:r>
-            <a:endParaRPr lang="en-US" sz="1400" dirty="0" smtClean="0"/>
           </a:p>
         </p:txBody>
       </p:sp>
@@ -9863,7 +9825,6 @@
               <a:rPr lang="en-US" sz="1400" dirty="0" smtClean="0"/>
               <a:t>Add a dash of Spring Data REST starter into our pom.xml</a:t>
             </a:r>
-            <a:endParaRPr lang="en-US" sz="1400" dirty="0" smtClean="0"/>
           </a:p>
         </p:txBody>
       </p:sp>
@@ -10749,25 +10710,8 @@
             </a:pPr>
             <a:r>
               <a:rPr lang="en-US" sz="1400" dirty="0" smtClean="0"/>
-              <a:t>Add some search methods using @</a:t>
+              <a:t>Add some search methods using @RestResource to our CityRepository class</a:t>
             </a:r>
-            <a:r>
-              <a:rPr lang="en-US" sz="1400" dirty="0" smtClean="0"/>
-              <a:t>RestResource</a:t>
-            </a:r>
-            <a:r>
-              <a:rPr lang="en-US" sz="1400" dirty="0" smtClean="0"/>
-              <a:t> to our </a:t>
-            </a:r>
-            <a:r>
-              <a:rPr lang="en-US" sz="1400" dirty="0" smtClean="0"/>
-              <a:t>CityRepository</a:t>
-            </a:r>
-            <a:r>
-              <a:rPr lang="en-US" sz="1400" dirty="0" smtClean="0"/>
-              <a:t> class</a:t>
-            </a:r>
-            <a:endParaRPr lang="en-US" sz="1400" dirty="0" smtClean="0"/>
           </a:p>
         </p:txBody>
       </p:sp>
@@ -11382,45 +11326,8 @@
             </a:pPr>
             <a:r>
               <a:rPr lang="en-US" sz="1400" dirty="0" smtClean="0"/>
-              <a:t>Add a method “</a:t>
+              <a:t>Add a method “findByStateCode” to our CityRepository that defines an custom query using @Query notation and takes an @Param argument for the stateCode</a:t>
             </a:r>
-            <a:r>
-              <a:rPr lang="en-US" sz="1400" dirty="0" smtClean="0"/>
-              <a:t>findByStateCode</a:t>
-            </a:r>
-            <a:r>
-              <a:rPr lang="en-US" sz="1400" dirty="0" smtClean="0"/>
-              <a:t>” </a:t>
-            </a:r>
-            <a:r>
-              <a:rPr lang="en-US" sz="1400" dirty="0" smtClean="0"/>
-              <a:t>to our </a:t>
-            </a:r>
-            <a:r>
-              <a:rPr lang="en-US" sz="1400" dirty="0" smtClean="0"/>
-              <a:t>CityRepository</a:t>
-            </a:r>
-            <a:r>
-              <a:rPr lang="en-US" sz="1400" dirty="0" smtClean="0"/>
-              <a:t> </a:t>
-            </a:r>
-            <a:r>
-              <a:rPr lang="en-US" sz="1400" dirty="0" smtClean="0"/>
-              <a:t>that defines an custom query using @Query notation and takes an @</a:t>
-            </a:r>
-            <a:r>
-              <a:rPr lang="en-US" sz="1400" dirty="0" smtClean="0"/>
-              <a:t>Param</a:t>
-            </a:r>
-            <a:r>
-              <a:rPr lang="en-US" sz="1400" dirty="0" smtClean="0"/>
-              <a:t> argument for the </a:t>
-            </a:r>
-            <a:r>
-              <a:rPr lang="en-US" sz="1400" dirty="0" smtClean="0"/>
-              <a:t>stateCode</a:t>
-            </a:r>
-            <a:endParaRPr lang="en-US" sz="1400" dirty="0" smtClean="0"/>
           </a:p>
         </p:txBody>
       </p:sp>
